--- a/ppt 16-9/0997.安稳在主守中.pptx
+++ b/ppt 16-9/0997.安稳在主守中.pptx
@@ -5,7 +5,7 @@
     <p:sldMasterId id="2147483648" r:id="rId1"/>
   </p:sldMasterIdLst>
   <p:sldIdLst>
-    <p:sldId id="406" r:id="rId2"/>
+    <p:sldId id="408" r:id="rId2"/>
   </p:sldIdLst>
   <p:sldSz cx="12192000" cy="6858000"/>
   <p:notesSz cx="6858000" cy="9144000"/>
@@ -129,7 +129,7 @@
           <p:cNvPr id="2" name="标题 1">
             <a:extLst>
               <a:ext uri="{FF2B5EF4-FFF2-40B4-BE49-F238E27FC236}">
-                <a16:creationId xmlns:a16="http://schemas.microsoft.com/office/drawing/2014/main" id="{5E51496E-6DBB-7984-6EC3-6CFECB14ACD7}"/>
+                <a16:creationId xmlns:a16="http://schemas.microsoft.com/office/drawing/2014/main" id="{EAFA4E68-FE0F-2852-148E-7E12F4C8A268}"/>
               </a:ext>
             </a:extLst>
           </p:cNvPr>
@@ -166,7 +166,7 @@
           <p:cNvPr id="3" name="副标题 2">
             <a:extLst>
               <a:ext uri="{FF2B5EF4-FFF2-40B4-BE49-F238E27FC236}">
-                <a16:creationId xmlns:a16="http://schemas.microsoft.com/office/drawing/2014/main" id="{DDE87E47-DF20-FBED-C4E0-D90CC3028EFB}"/>
+                <a16:creationId xmlns:a16="http://schemas.microsoft.com/office/drawing/2014/main" id="{8F91D572-D096-A374-33D6-45C3BA4E32A1}"/>
               </a:ext>
             </a:extLst>
           </p:cNvPr>
@@ -236,7 +236,7 @@
           <p:cNvPr id="4" name="日期占位符 3">
             <a:extLst>
               <a:ext uri="{FF2B5EF4-FFF2-40B4-BE49-F238E27FC236}">
-                <a16:creationId xmlns:a16="http://schemas.microsoft.com/office/drawing/2014/main" id="{69CFCE38-E899-2835-0E8B-18B0BABE97A5}"/>
+                <a16:creationId xmlns:a16="http://schemas.microsoft.com/office/drawing/2014/main" id="{5B93270A-E32A-5CBF-EC67-B4D2A7DB130A}"/>
               </a:ext>
             </a:extLst>
           </p:cNvPr>
@@ -252,7 +252,7 @@
           <a:bodyPr/>
           <a:lstStyle/>
           <a:p>
-            <a:fld id="{32A45105-9B27-45F0-BAA9-A426E72722CB}" type="datetimeFigureOut">
+            <a:fld id="{75179630-262F-4008-BAC9-18717E63E57E}" type="datetimeFigureOut">
               <a:rPr lang="zh-CN" altLang="en-US" smtClean="0"/>
               <a:t>2024/3/10</a:t>
             </a:fld>
@@ -265,7 +265,7 @@
           <p:cNvPr id="5" name="页脚占位符 4">
             <a:extLst>
               <a:ext uri="{FF2B5EF4-FFF2-40B4-BE49-F238E27FC236}">
-                <a16:creationId xmlns:a16="http://schemas.microsoft.com/office/drawing/2014/main" id="{A1D5E824-D354-B656-871E-D66EB8AE757A}"/>
+                <a16:creationId xmlns:a16="http://schemas.microsoft.com/office/drawing/2014/main" id="{46444CC4-E703-AF3E-2A95-FF8DB4B459BA}"/>
               </a:ext>
             </a:extLst>
           </p:cNvPr>
@@ -290,7 +290,7 @@
           <p:cNvPr id="6" name="灯片编号占位符 5">
             <a:extLst>
               <a:ext uri="{FF2B5EF4-FFF2-40B4-BE49-F238E27FC236}">
-                <a16:creationId xmlns:a16="http://schemas.microsoft.com/office/drawing/2014/main" id="{867DD5BE-5C76-88EE-779C-B7C93874BDA4}"/>
+                <a16:creationId xmlns:a16="http://schemas.microsoft.com/office/drawing/2014/main" id="{AB3E263E-ADE8-F324-5425-8CA12E02D039}"/>
               </a:ext>
             </a:extLst>
           </p:cNvPr>
@@ -306,7 +306,7 @@
           <a:bodyPr/>
           <a:lstStyle/>
           <a:p>
-            <a:fld id="{A2B695A5-DA47-4009-9346-AD3B25943B14}" type="slidenum">
+            <a:fld id="{105040EF-7E81-4ED5-B907-8CF3716C75CA}" type="slidenum">
               <a:rPr lang="zh-CN" altLang="en-US" smtClean="0"/>
               <a:t>‹#›</a:t>
             </a:fld>
@@ -317,7 +317,7 @@
     </p:spTree>
     <p:extLst>
       <p:ext uri="{BB962C8B-B14F-4D97-AF65-F5344CB8AC3E}">
-        <p14:creationId xmlns:p14="http://schemas.microsoft.com/office/powerpoint/2010/main" val="564748060"/>
+        <p14:creationId xmlns:p14="http://schemas.microsoft.com/office/powerpoint/2010/main" val="392868498"/>
       </p:ext>
     </p:extLst>
   </p:cSld>
@@ -349,7 +349,7 @@
           <p:cNvPr id="2" name="标题 1">
             <a:extLst>
               <a:ext uri="{FF2B5EF4-FFF2-40B4-BE49-F238E27FC236}">
-                <a16:creationId xmlns:a16="http://schemas.microsoft.com/office/drawing/2014/main" id="{E4C273E1-094A-0FF3-01EB-0BD6CCBEA537}"/>
+                <a16:creationId xmlns:a16="http://schemas.microsoft.com/office/drawing/2014/main" id="{EE0CC863-72B2-F498-3222-DB885E1464C9}"/>
               </a:ext>
             </a:extLst>
           </p:cNvPr>
@@ -377,7 +377,7 @@
           <p:cNvPr id="3" name="竖排文字占位符 2">
             <a:extLst>
               <a:ext uri="{FF2B5EF4-FFF2-40B4-BE49-F238E27FC236}">
-                <a16:creationId xmlns:a16="http://schemas.microsoft.com/office/drawing/2014/main" id="{643CA2D3-BA7C-894F-9470-AFE483517D20}"/>
+                <a16:creationId xmlns:a16="http://schemas.microsoft.com/office/drawing/2014/main" id="{325818D6-92A6-1109-AB13-1D107638CA56}"/>
               </a:ext>
             </a:extLst>
           </p:cNvPr>
@@ -434,7 +434,7 @@
           <p:cNvPr id="4" name="日期占位符 3">
             <a:extLst>
               <a:ext uri="{FF2B5EF4-FFF2-40B4-BE49-F238E27FC236}">
-                <a16:creationId xmlns:a16="http://schemas.microsoft.com/office/drawing/2014/main" id="{9986E41D-1757-5F7A-1F62-BB4EFB40E455}"/>
+                <a16:creationId xmlns:a16="http://schemas.microsoft.com/office/drawing/2014/main" id="{99E6643A-1ED6-3DA6-D3A5-03BB006A7D20}"/>
               </a:ext>
             </a:extLst>
           </p:cNvPr>
@@ -450,7 +450,7 @@
           <a:bodyPr/>
           <a:lstStyle/>
           <a:p>
-            <a:fld id="{32A45105-9B27-45F0-BAA9-A426E72722CB}" type="datetimeFigureOut">
+            <a:fld id="{75179630-262F-4008-BAC9-18717E63E57E}" type="datetimeFigureOut">
               <a:rPr lang="zh-CN" altLang="en-US" smtClean="0"/>
               <a:t>2024/3/10</a:t>
             </a:fld>
@@ -463,7 +463,7 @@
           <p:cNvPr id="5" name="页脚占位符 4">
             <a:extLst>
               <a:ext uri="{FF2B5EF4-FFF2-40B4-BE49-F238E27FC236}">
-                <a16:creationId xmlns:a16="http://schemas.microsoft.com/office/drawing/2014/main" id="{826FB292-27BE-FD96-354C-EE1798559C2E}"/>
+                <a16:creationId xmlns:a16="http://schemas.microsoft.com/office/drawing/2014/main" id="{7305A05E-028D-672A-4F61-D6002255E9E6}"/>
               </a:ext>
             </a:extLst>
           </p:cNvPr>
@@ -488,7 +488,7 @@
           <p:cNvPr id="6" name="灯片编号占位符 5">
             <a:extLst>
               <a:ext uri="{FF2B5EF4-FFF2-40B4-BE49-F238E27FC236}">
-                <a16:creationId xmlns:a16="http://schemas.microsoft.com/office/drawing/2014/main" id="{A92B0006-56E7-4AA8-F468-65F67EB7DB0C}"/>
+                <a16:creationId xmlns:a16="http://schemas.microsoft.com/office/drawing/2014/main" id="{B2AD85CF-018A-4102-9CA0-DFDF64F52B48}"/>
               </a:ext>
             </a:extLst>
           </p:cNvPr>
@@ -504,7 +504,7 @@
           <a:bodyPr/>
           <a:lstStyle/>
           <a:p>
-            <a:fld id="{A2B695A5-DA47-4009-9346-AD3B25943B14}" type="slidenum">
+            <a:fld id="{105040EF-7E81-4ED5-B907-8CF3716C75CA}" type="slidenum">
               <a:rPr lang="zh-CN" altLang="en-US" smtClean="0"/>
               <a:t>‹#›</a:t>
             </a:fld>
@@ -515,7 +515,7 @@
     </p:spTree>
     <p:extLst>
       <p:ext uri="{BB962C8B-B14F-4D97-AF65-F5344CB8AC3E}">
-        <p14:creationId xmlns:p14="http://schemas.microsoft.com/office/powerpoint/2010/main" val="3812494193"/>
+        <p14:creationId xmlns:p14="http://schemas.microsoft.com/office/powerpoint/2010/main" val="2531806136"/>
       </p:ext>
     </p:extLst>
   </p:cSld>
@@ -547,7 +547,7 @@
           <p:cNvPr id="2" name="竖排标题 1">
             <a:extLst>
               <a:ext uri="{FF2B5EF4-FFF2-40B4-BE49-F238E27FC236}">
-                <a16:creationId xmlns:a16="http://schemas.microsoft.com/office/drawing/2014/main" id="{A420B3DD-B2D6-9F2D-FE15-040C53737902}"/>
+                <a16:creationId xmlns:a16="http://schemas.microsoft.com/office/drawing/2014/main" id="{B8990AD2-C3B1-AAEE-D715-6B0D16842514}"/>
               </a:ext>
             </a:extLst>
           </p:cNvPr>
@@ -580,7 +580,7 @@
           <p:cNvPr id="3" name="竖排文字占位符 2">
             <a:extLst>
               <a:ext uri="{FF2B5EF4-FFF2-40B4-BE49-F238E27FC236}">
-                <a16:creationId xmlns:a16="http://schemas.microsoft.com/office/drawing/2014/main" id="{7760E2FA-E966-739D-55B6-8F4F12E700A7}"/>
+                <a16:creationId xmlns:a16="http://schemas.microsoft.com/office/drawing/2014/main" id="{10C64BF9-ED9B-814A-E3D1-331004AAB606}"/>
               </a:ext>
             </a:extLst>
           </p:cNvPr>
@@ -642,7 +642,7 @@
           <p:cNvPr id="4" name="日期占位符 3">
             <a:extLst>
               <a:ext uri="{FF2B5EF4-FFF2-40B4-BE49-F238E27FC236}">
-                <a16:creationId xmlns:a16="http://schemas.microsoft.com/office/drawing/2014/main" id="{D1BCB8B7-FC92-484F-FB24-C79DBAEBB6C6}"/>
+                <a16:creationId xmlns:a16="http://schemas.microsoft.com/office/drawing/2014/main" id="{A2823C44-75CA-8FC4-AD95-05678AAFC1AB}"/>
               </a:ext>
             </a:extLst>
           </p:cNvPr>
@@ -658,7 +658,7 @@
           <a:bodyPr/>
           <a:lstStyle/>
           <a:p>
-            <a:fld id="{32A45105-9B27-45F0-BAA9-A426E72722CB}" type="datetimeFigureOut">
+            <a:fld id="{75179630-262F-4008-BAC9-18717E63E57E}" type="datetimeFigureOut">
               <a:rPr lang="zh-CN" altLang="en-US" smtClean="0"/>
               <a:t>2024/3/10</a:t>
             </a:fld>
@@ -671,7 +671,7 @@
           <p:cNvPr id="5" name="页脚占位符 4">
             <a:extLst>
               <a:ext uri="{FF2B5EF4-FFF2-40B4-BE49-F238E27FC236}">
-                <a16:creationId xmlns:a16="http://schemas.microsoft.com/office/drawing/2014/main" id="{4CB97CCA-B73A-0B6B-D402-9EC02429DA98}"/>
+                <a16:creationId xmlns:a16="http://schemas.microsoft.com/office/drawing/2014/main" id="{F40E74AC-4ED9-3F43-2153-34A2CE6FFDF8}"/>
               </a:ext>
             </a:extLst>
           </p:cNvPr>
@@ -696,7 +696,7 @@
           <p:cNvPr id="6" name="灯片编号占位符 5">
             <a:extLst>
               <a:ext uri="{FF2B5EF4-FFF2-40B4-BE49-F238E27FC236}">
-                <a16:creationId xmlns:a16="http://schemas.microsoft.com/office/drawing/2014/main" id="{FD4CA46E-2349-EF10-03F3-7B2D05DC0D79}"/>
+                <a16:creationId xmlns:a16="http://schemas.microsoft.com/office/drawing/2014/main" id="{F3D0BCBC-93DF-F027-12F3-23428EEAB02B}"/>
               </a:ext>
             </a:extLst>
           </p:cNvPr>
@@ -712,7 +712,7 @@
           <a:bodyPr/>
           <a:lstStyle/>
           <a:p>
-            <a:fld id="{A2B695A5-DA47-4009-9346-AD3B25943B14}" type="slidenum">
+            <a:fld id="{105040EF-7E81-4ED5-B907-8CF3716C75CA}" type="slidenum">
               <a:rPr lang="zh-CN" altLang="en-US" smtClean="0"/>
               <a:t>‹#›</a:t>
             </a:fld>
@@ -723,7 +723,7 @@
     </p:spTree>
     <p:extLst>
       <p:ext uri="{BB962C8B-B14F-4D97-AF65-F5344CB8AC3E}">
-        <p14:creationId xmlns:p14="http://schemas.microsoft.com/office/powerpoint/2010/main" val="4002570775"/>
+        <p14:creationId xmlns:p14="http://schemas.microsoft.com/office/powerpoint/2010/main" val="3316344623"/>
       </p:ext>
     </p:extLst>
   </p:cSld>
@@ -755,7 +755,7 @@
           <p:cNvPr id="2" name="标题 1">
             <a:extLst>
               <a:ext uri="{FF2B5EF4-FFF2-40B4-BE49-F238E27FC236}">
-                <a16:creationId xmlns:a16="http://schemas.microsoft.com/office/drawing/2014/main" id="{73E01DB9-B7F9-73E0-908D-F170BDD39088}"/>
+                <a16:creationId xmlns:a16="http://schemas.microsoft.com/office/drawing/2014/main" id="{DE89C89F-20BB-1D4D-CDBC-3C6D1162F480}"/>
               </a:ext>
             </a:extLst>
           </p:cNvPr>
@@ -783,7 +783,7 @@
           <p:cNvPr id="3" name="内容占位符 2">
             <a:extLst>
               <a:ext uri="{FF2B5EF4-FFF2-40B4-BE49-F238E27FC236}">
-                <a16:creationId xmlns:a16="http://schemas.microsoft.com/office/drawing/2014/main" id="{51447F40-CAEB-D1FF-6662-935D5ED7D0EF}"/>
+                <a16:creationId xmlns:a16="http://schemas.microsoft.com/office/drawing/2014/main" id="{B41C83B4-FA35-132E-6830-BDDE940ACBA0}"/>
               </a:ext>
             </a:extLst>
           </p:cNvPr>
@@ -840,7 +840,7 @@
           <p:cNvPr id="4" name="日期占位符 3">
             <a:extLst>
               <a:ext uri="{FF2B5EF4-FFF2-40B4-BE49-F238E27FC236}">
-                <a16:creationId xmlns:a16="http://schemas.microsoft.com/office/drawing/2014/main" id="{8E821629-2A7A-352A-B466-991EBF6B050C}"/>
+                <a16:creationId xmlns:a16="http://schemas.microsoft.com/office/drawing/2014/main" id="{4B46C2AE-FF98-4304-9454-EE4AB5C474FF}"/>
               </a:ext>
             </a:extLst>
           </p:cNvPr>
@@ -856,7 +856,7 @@
           <a:bodyPr/>
           <a:lstStyle/>
           <a:p>
-            <a:fld id="{32A45105-9B27-45F0-BAA9-A426E72722CB}" type="datetimeFigureOut">
+            <a:fld id="{75179630-262F-4008-BAC9-18717E63E57E}" type="datetimeFigureOut">
               <a:rPr lang="zh-CN" altLang="en-US" smtClean="0"/>
               <a:t>2024/3/10</a:t>
             </a:fld>
@@ -869,7 +869,7 @@
           <p:cNvPr id="5" name="页脚占位符 4">
             <a:extLst>
               <a:ext uri="{FF2B5EF4-FFF2-40B4-BE49-F238E27FC236}">
-                <a16:creationId xmlns:a16="http://schemas.microsoft.com/office/drawing/2014/main" id="{4823538C-DC02-D2DD-61D3-3CF58A9CC635}"/>
+                <a16:creationId xmlns:a16="http://schemas.microsoft.com/office/drawing/2014/main" id="{4A270B1A-0238-FA8C-5184-FD36E65F0C28}"/>
               </a:ext>
             </a:extLst>
           </p:cNvPr>
@@ -894,7 +894,7 @@
           <p:cNvPr id="6" name="灯片编号占位符 5">
             <a:extLst>
               <a:ext uri="{FF2B5EF4-FFF2-40B4-BE49-F238E27FC236}">
-                <a16:creationId xmlns:a16="http://schemas.microsoft.com/office/drawing/2014/main" id="{F8C9218D-B55B-1FB1-0506-726A44657A76}"/>
+                <a16:creationId xmlns:a16="http://schemas.microsoft.com/office/drawing/2014/main" id="{C2CCFCB9-9C45-6020-AE0A-085D514DE12C}"/>
               </a:ext>
             </a:extLst>
           </p:cNvPr>
@@ -910,7 +910,7 @@
           <a:bodyPr/>
           <a:lstStyle/>
           <a:p>
-            <a:fld id="{A2B695A5-DA47-4009-9346-AD3B25943B14}" type="slidenum">
+            <a:fld id="{105040EF-7E81-4ED5-B907-8CF3716C75CA}" type="slidenum">
               <a:rPr lang="zh-CN" altLang="en-US" smtClean="0"/>
               <a:t>‹#›</a:t>
             </a:fld>
@@ -921,7 +921,7 @@
     </p:spTree>
     <p:extLst>
       <p:ext uri="{BB962C8B-B14F-4D97-AF65-F5344CB8AC3E}">
-        <p14:creationId xmlns:p14="http://schemas.microsoft.com/office/powerpoint/2010/main" val="2448585966"/>
+        <p14:creationId xmlns:p14="http://schemas.microsoft.com/office/powerpoint/2010/main" val="4152612711"/>
       </p:ext>
     </p:extLst>
   </p:cSld>
@@ -953,7 +953,7 @@
           <p:cNvPr id="2" name="标题 1">
             <a:extLst>
               <a:ext uri="{FF2B5EF4-FFF2-40B4-BE49-F238E27FC236}">
-                <a16:creationId xmlns:a16="http://schemas.microsoft.com/office/drawing/2014/main" id="{87E37B2C-CA2E-224A-3ADC-4151DD57130E}"/>
+                <a16:creationId xmlns:a16="http://schemas.microsoft.com/office/drawing/2014/main" id="{23E1F3BF-F61D-587A-B5A5-87D33A879D52}"/>
               </a:ext>
             </a:extLst>
           </p:cNvPr>
@@ -990,7 +990,7 @@
           <p:cNvPr id="3" name="文本占位符 2">
             <a:extLst>
               <a:ext uri="{FF2B5EF4-FFF2-40B4-BE49-F238E27FC236}">
-                <a16:creationId xmlns:a16="http://schemas.microsoft.com/office/drawing/2014/main" id="{3CCC98E8-4402-6684-A141-D49F7DEC0E49}"/>
+                <a16:creationId xmlns:a16="http://schemas.microsoft.com/office/drawing/2014/main" id="{C258EC89-3D2D-A54F-DFED-FA229B5D8D40}"/>
               </a:ext>
             </a:extLst>
           </p:cNvPr>
@@ -1115,7 +1115,7 @@
           <p:cNvPr id="4" name="日期占位符 3">
             <a:extLst>
               <a:ext uri="{FF2B5EF4-FFF2-40B4-BE49-F238E27FC236}">
-                <a16:creationId xmlns:a16="http://schemas.microsoft.com/office/drawing/2014/main" id="{4F28D20B-D849-BC3D-689E-5156F0D4EFB7}"/>
+                <a16:creationId xmlns:a16="http://schemas.microsoft.com/office/drawing/2014/main" id="{6B773EC1-A5E3-D94E-E958-1F84E6108CBF}"/>
               </a:ext>
             </a:extLst>
           </p:cNvPr>
@@ -1131,7 +1131,7 @@
           <a:bodyPr/>
           <a:lstStyle/>
           <a:p>
-            <a:fld id="{32A45105-9B27-45F0-BAA9-A426E72722CB}" type="datetimeFigureOut">
+            <a:fld id="{75179630-262F-4008-BAC9-18717E63E57E}" type="datetimeFigureOut">
               <a:rPr lang="zh-CN" altLang="en-US" smtClean="0"/>
               <a:t>2024/3/10</a:t>
             </a:fld>
@@ -1144,7 +1144,7 @@
           <p:cNvPr id="5" name="页脚占位符 4">
             <a:extLst>
               <a:ext uri="{FF2B5EF4-FFF2-40B4-BE49-F238E27FC236}">
-                <a16:creationId xmlns:a16="http://schemas.microsoft.com/office/drawing/2014/main" id="{41EF8484-42CD-3C76-0F87-A6E4C288AE4E}"/>
+                <a16:creationId xmlns:a16="http://schemas.microsoft.com/office/drawing/2014/main" id="{FF2DF706-D920-485B-5E70-2E359C592E8A}"/>
               </a:ext>
             </a:extLst>
           </p:cNvPr>
@@ -1169,7 +1169,7 @@
           <p:cNvPr id="6" name="灯片编号占位符 5">
             <a:extLst>
               <a:ext uri="{FF2B5EF4-FFF2-40B4-BE49-F238E27FC236}">
-                <a16:creationId xmlns:a16="http://schemas.microsoft.com/office/drawing/2014/main" id="{48A2E066-BCAD-CAD1-7A8E-C4F76C4B4A27}"/>
+                <a16:creationId xmlns:a16="http://schemas.microsoft.com/office/drawing/2014/main" id="{E9940555-F18B-EE68-C3F9-BB5FEE56AD54}"/>
               </a:ext>
             </a:extLst>
           </p:cNvPr>
@@ -1185,7 +1185,7 @@
           <a:bodyPr/>
           <a:lstStyle/>
           <a:p>
-            <a:fld id="{A2B695A5-DA47-4009-9346-AD3B25943B14}" type="slidenum">
+            <a:fld id="{105040EF-7E81-4ED5-B907-8CF3716C75CA}" type="slidenum">
               <a:rPr lang="zh-CN" altLang="en-US" smtClean="0"/>
               <a:t>‹#›</a:t>
             </a:fld>
@@ -1196,7 +1196,7 @@
     </p:spTree>
     <p:extLst>
       <p:ext uri="{BB962C8B-B14F-4D97-AF65-F5344CB8AC3E}">
-        <p14:creationId xmlns:p14="http://schemas.microsoft.com/office/powerpoint/2010/main" val="2857810797"/>
+        <p14:creationId xmlns:p14="http://schemas.microsoft.com/office/powerpoint/2010/main" val="328845069"/>
       </p:ext>
     </p:extLst>
   </p:cSld>
@@ -1228,7 +1228,7 @@
           <p:cNvPr id="2" name="标题 1">
             <a:extLst>
               <a:ext uri="{FF2B5EF4-FFF2-40B4-BE49-F238E27FC236}">
-                <a16:creationId xmlns:a16="http://schemas.microsoft.com/office/drawing/2014/main" id="{C0AA7412-42C9-C953-A9F0-0D4563634CC9}"/>
+                <a16:creationId xmlns:a16="http://schemas.microsoft.com/office/drawing/2014/main" id="{4B08D0D2-E9C1-AAA9-A29A-A3FFD0CA2C59}"/>
               </a:ext>
             </a:extLst>
           </p:cNvPr>
@@ -1256,7 +1256,7 @@
           <p:cNvPr id="3" name="内容占位符 2">
             <a:extLst>
               <a:ext uri="{FF2B5EF4-FFF2-40B4-BE49-F238E27FC236}">
-                <a16:creationId xmlns:a16="http://schemas.microsoft.com/office/drawing/2014/main" id="{12F8556E-B01F-B8CC-982B-7AFED48B5DFE}"/>
+                <a16:creationId xmlns:a16="http://schemas.microsoft.com/office/drawing/2014/main" id="{34DFB51B-A287-0FDF-9786-A5C67C374472}"/>
               </a:ext>
             </a:extLst>
           </p:cNvPr>
@@ -1318,7 +1318,7 @@
           <p:cNvPr id="4" name="内容占位符 3">
             <a:extLst>
               <a:ext uri="{FF2B5EF4-FFF2-40B4-BE49-F238E27FC236}">
-                <a16:creationId xmlns:a16="http://schemas.microsoft.com/office/drawing/2014/main" id="{C44B8C0A-A931-C760-A0F7-B53FF2B97846}"/>
+                <a16:creationId xmlns:a16="http://schemas.microsoft.com/office/drawing/2014/main" id="{8671648B-9FE4-B949-256D-EAB44FE9B623}"/>
               </a:ext>
             </a:extLst>
           </p:cNvPr>
@@ -1380,7 +1380,7 @@
           <p:cNvPr id="5" name="日期占位符 4">
             <a:extLst>
               <a:ext uri="{FF2B5EF4-FFF2-40B4-BE49-F238E27FC236}">
-                <a16:creationId xmlns:a16="http://schemas.microsoft.com/office/drawing/2014/main" id="{E9D157F2-A79E-E872-557A-B54F05153650}"/>
+                <a16:creationId xmlns:a16="http://schemas.microsoft.com/office/drawing/2014/main" id="{8409F5E4-DB7F-C70F-6E2A-31B782158B28}"/>
               </a:ext>
             </a:extLst>
           </p:cNvPr>
@@ -1396,7 +1396,7 @@
           <a:bodyPr/>
           <a:lstStyle/>
           <a:p>
-            <a:fld id="{32A45105-9B27-45F0-BAA9-A426E72722CB}" type="datetimeFigureOut">
+            <a:fld id="{75179630-262F-4008-BAC9-18717E63E57E}" type="datetimeFigureOut">
               <a:rPr lang="zh-CN" altLang="en-US" smtClean="0"/>
               <a:t>2024/3/10</a:t>
             </a:fld>
@@ -1409,7 +1409,7 @@
           <p:cNvPr id="6" name="页脚占位符 5">
             <a:extLst>
               <a:ext uri="{FF2B5EF4-FFF2-40B4-BE49-F238E27FC236}">
-                <a16:creationId xmlns:a16="http://schemas.microsoft.com/office/drawing/2014/main" id="{E3D05BD5-527C-7307-1D57-3320F63A6FB9}"/>
+                <a16:creationId xmlns:a16="http://schemas.microsoft.com/office/drawing/2014/main" id="{58F6213A-CA2C-6266-6B43-9C0B052DBBA9}"/>
               </a:ext>
             </a:extLst>
           </p:cNvPr>
@@ -1434,7 +1434,7 @@
           <p:cNvPr id="7" name="灯片编号占位符 6">
             <a:extLst>
               <a:ext uri="{FF2B5EF4-FFF2-40B4-BE49-F238E27FC236}">
-                <a16:creationId xmlns:a16="http://schemas.microsoft.com/office/drawing/2014/main" id="{FFA84FEC-71A5-C9FD-4BFD-A050DD50DD8A}"/>
+                <a16:creationId xmlns:a16="http://schemas.microsoft.com/office/drawing/2014/main" id="{8379A0B2-F55E-4FDE-B91D-74FF48876260}"/>
               </a:ext>
             </a:extLst>
           </p:cNvPr>
@@ -1450,7 +1450,7 @@
           <a:bodyPr/>
           <a:lstStyle/>
           <a:p>
-            <a:fld id="{A2B695A5-DA47-4009-9346-AD3B25943B14}" type="slidenum">
+            <a:fld id="{105040EF-7E81-4ED5-B907-8CF3716C75CA}" type="slidenum">
               <a:rPr lang="zh-CN" altLang="en-US" smtClean="0"/>
               <a:t>‹#›</a:t>
             </a:fld>
@@ -1461,7 +1461,7 @@
     </p:spTree>
     <p:extLst>
       <p:ext uri="{BB962C8B-B14F-4D97-AF65-F5344CB8AC3E}">
-        <p14:creationId xmlns:p14="http://schemas.microsoft.com/office/powerpoint/2010/main" val="768289098"/>
+        <p14:creationId xmlns:p14="http://schemas.microsoft.com/office/powerpoint/2010/main" val="2638052400"/>
       </p:ext>
     </p:extLst>
   </p:cSld>
@@ -1493,7 +1493,7 @@
           <p:cNvPr id="2" name="标题 1">
             <a:extLst>
               <a:ext uri="{FF2B5EF4-FFF2-40B4-BE49-F238E27FC236}">
-                <a16:creationId xmlns:a16="http://schemas.microsoft.com/office/drawing/2014/main" id="{7AF505DD-C0A3-BC64-3D48-80D84C5177AE}"/>
+                <a16:creationId xmlns:a16="http://schemas.microsoft.com/office/drawing/2014/main" id="{23CBB619-4F80-34F5-F0FF-7965B9EAD615}"/>
               </a:ext>
             </a:extLst>
           </p:cNvPr>
@@ -1526,7 +1526,7 @@
           <p:cNvPr id="3" name="文本占位符 2">
             <a:extLst>
               <a:ext uri="{FF2B5EF4-FFF2-40B4-BE49-F238E27FC236}">
-                <a16:creationId xmlns:a16="http://schemas.microsoft.com/office/drawing/2014/main" id="{81A144FB-AA59-2461-26F5-1F4E494C91D9}"/>
+                <a16:creationId xmlns:a16="http://schemas.microsoft.com/office/drawing/2014/main" id="{3384FE9B-1A9A-63CB-0A22-129730D4F863}"/>
               </a:ext>
             </a:extLst>
           </p:cNvPr>
@@ -1597,7 +1597,7 @@
           <p:cNvPr id="4" name="内容占位符 3">
             <a:extLst>
               <a:ext uri="{FF2B5EF4-FFF2-40B4-BE49-F238E27FC236}">
-                <a16:creationId xmlns:a16="http://schemas.microsoft.com/office/drawing/2014/main" id="{A881E0F7-8F35-B4DB-23CA-6207CD4BD18D}"/>
+                <a16:creationId xmlns:a16="http://schemas.microsoft.com/office/drawing/2014/main" id="{608CDCF8-4948-A319-022C-27DC9E3386F5}"/>
               </a:ext>
             </a:extLst>
           </p:cNvPr>
@@ -1659,7 +1659,7 @@
           <p:cNvPr id="5" name="文本占位符 4">
             <a:extLst>
               <a:ext uri="{FF2B5EF4-FFF2-40B4-BE49-F238E27FC236}">
-                <a16:creationId xmlns:a16="http://schemas.microsoft.com/office/drawing/2014/main" id="{09E2E011-F5FB-6EB9-51DA-6293275B9108}"/>
+                <a16:creationId xmlns:a16="http://schemas.microsoft.com/office/drawing/2014/main" id="{B62D3EB9-D9CD-0AA3-0473-1A344E1F8630}"/>
               </a:ext>
             </a:extLst>
           </p:cNvPr>
@@ -1730,7 +1730,7 @@
           <p:cNvPr id="6" name="内容占位符 5">
             <a:extLst>
               <a:ext uri="{FF2B5EF4-FFF2-40B4-BE49-F238E27FC236}">
-                <a16:creationId xmlns:a16="http://schemas.microsoft.com/office/drawing/2014/main" id="{E0BFBBB8-A906-0F7E-9056-0C4EFB285F79}"/>
+                <a16:creationId xmlns:a16="http://schemas.microsoft.com/office/drawing/2014/main" id="{305F3A56-D0F2-AFF2-3BB2-AA3DE365E738}"/>
               </a:ext>
             </a:extLst>
           </p:cNvPr>
@@ -1792,7 +1792,7 @@
           <p:cNvPr id="7" name="日期占位符 6">
             <a:extLst>
               <a:ext uri="{FF2B5EF4-FFF2-40B4-BE49-F238E27FC236}">
-                <a16:creationId xmlns:a16="http://schemas.microsoft.com/office/drawing/2014/main" id="{AE163B9A-B25B-A800-923A-9A793BA2720A}"/>
+                <a16:creationId xmlns:a16="http://schemas.microsoft.com/office/drawing/2014/main" id="{972A51D4-E6C3-27A3-3FBF-527C1646326C}"/>
               </a:ext>
             </a:extLst>
           </p:cNvPr>
@@ -1808,7 +1808,7 @@
           <a:bodyPr/>
           <a:lstStyle/>
           <a:p>
-            <a:fld id="{32A45105-9B27-45F0-BAA9-A426E72722CB}" type="datetimeFigureOut">
+            <a:fld id="{75179630-262F-4008-BAC9-18717E63E57E}" type="datetimeFigureOut">
               <a:rPr lang="zh-CN" altLang="en-US" smtClean="0"/>
               <a:t>2024/3/10</a:t>
             </a:fld>
@@ -1821,7 +1821,7 @@
           <p:cNvPr id="8" name="页脚占位符 7">
             <a:extLst>
               <a:ext uri="{FF2B5EF4-FFF2-40B4-BE49-F238E27FC236}">
-                <a16:creationId xmlns:a16="http://schemas.microsoft.com/office/drawing/2014/main" id="{8931EDAE-6948-3C32-2F54-F94078456A27}"/>
+                <a16:creationId xmlns:a16="http://schemas.microsoft.com/office/drawing/2014/main" id="{546D2D36-C378-48D2-291D-84FD35582B01}"/>
               </a:ext>
             </a:extLst>
           </p:cNvPr>
@@ -1846,7 +1846,7 @@
           <p:cNvPr id="9" name="灯片编号占位符 8">
             <a:extLst>
               <a:ext uri="{FF2B5EF4-FFF2-40B4-BE49-F238E27FC236}">
-                <a16:creationId xmlns:a16="http://schemas.microsoft.com/office/drawing/2014/main" id="{99048FF1-D76E-1D1A-BD5C-B6D87DAAB1C1}"/>
+                <a16:creationId xmlns:a16="http://schemas.microsoft.com/office/drawing/2014/main" id="{D3DEDFFC-0665-1BA8-9D8D-716390537DF8}"/>
               </a:ext>
             </a:extLst>
           </p:cNvPr>
@@ -1862,7 +1862,7 @@
           <a:bodyPr/>
           <a:lstStyle/>
           <a:p>
-            <a:fld id="{A2B695A5-DA47-4009-9346-AD3B25943B14}" type="slidenum">
+            <a:fld id="{105040EF-7E81-4ED5-B907-8CF3716C75CA}" type="slidenum">
               <a:rPr lang="zh-CN" altLang="en-US" smtClean="0"/>
               <a:t>‹#›</a:t>
             </a:fld>
@@ -1873,7 +1873,7 @@
     </p:spTree>
     <p:extLst>
       <p:ext uri="{BB962C8B-B14F-4D97-AF65-F5344CB8AC3E}">
-        <p14:creationId xmlns:p14="http://schemas.microsoft.com/office/powerpoint/2010/main" val="1403976463"/>
+        <p14:creationId xmlns:p14="http://schemas.microsoft.com/office/powerpoint/2010/main" val="51174241"/>
       </p:ext>
     </p:extLst>
   </p:cSld>
@@ -1905,7 +1905,7 @@
           <p:cNvPr id="2" name="标题 1">
             <a:extLst>
               <a:ext uri="{FF2B5EF4-FFF2-40B4-BE49-F238E27FC236}">
-                <a16:creationId xmlns:a16="http://schemas.microsoft.com/office/drawing/2014/main" id="{747A27CD-AF25-DC1F-35D3-5B72332101DA}"/>
+                <a16:creationId xmlns:a16="http://schemas.microsoft.com/office/drawing/2014/main" id="{CD12E01A-679D-609E-566C-6034C2CDBD14}"/>
               </a:ext>
             </a:extLst>
           </p:cNvPr>
@@ -1933,7 +1933,7 @@
           <p:cNvPr id="3" name="日期占位符 2">
             <a:extLst>
               <a:ext uri="{FF2B5EF4-FFF2-40B4-BE49-F238E27FC236}">
-                <a16:creationId xmlns:a16="http://schemas.microsoft.com/office/drawing/2014/main" id="{B2D92996-3D69-3110-1638-AA9BCE2C544F}"/>
+                <a16:creationId xmlns:a16="http://schemas.microsoft.com/office/drawing/2014/main" id="{8074C403-162E-124D-0AE4-B77C9A811FA8}"/>
               </a:ext>
             </a:extLst>
           </p:cNvPr>
@@ -1949,7 +1949,7 @@
           <a:bodyPr/>
           <a:lstStyle/>
           <a:p>
-            <a:fld id="{32A45105-9B27-45F0-BAA9-A426E72722CB}" type="datetimeFigureOut">
+            <a:fld id="{75179630-262F-4008-BAC9-18717E63E57E}" type="datetimeFigureOut">
               <a:rPr lang="zh-CN" altLang="en-US" smtClean="0"/>
               <a:t>2024/3/10</a:t>
             </a:fld>
@@ -1962,7 +1962,7 @@
           <p:cNvPr id="4" name="页脚占位符 3">
             <a:extLst>
               <a:ext uri="{FF2B5EF4-FFF2-40B4-BE49-F238E27FC236}">
-                <a16:creationId xmlns:a16="http://schemas.microsoft.com/office/drawing/2014/main" id="{2894A872-AFA6-8254-5F51-90191740907D}"/>
+                <a16:creationId xmlns:a16="http://schemas.microsoft.com/office/drawing/2014/main" id="{5EC02F6B-9F6B-7344-39BA-9B72087FF38F}"/>
               </a:ext>
             </a:extLst>
           </p:cNvPr>
@@ -1987,7 +1987,7 @@
           <p:cNvPr id="5" name="灯片编号占位符 4">
             <a:extLst>
               <a:ext uri="{FF2B5EF4-FFF2-40B4-BE49-F238E27FC236}">
-                <a16:creationId xmlns:a16="http://schemas.microsoft.com/office/drawing/2014/main" id="{7FB63938-B1D3-D8C3-CB06-C5E511EEEEF7}"/>
+                <a16:creationId xmlns:a16="http://schemas.microsoft.com/office/drawing/2014/main" id="{7CCAD3FC-5B36-2204-C1E5-BF3A366AAA7E}"/>
               </a:ext>
             </a:extLst>
           </p:cNvPr>
@@ -2003,7 +2003,7 @@
           <a:bodyPr/>
           <a:lstStyle/>
           <a:p>
-            <a:fld id="{A2B695A5-DA47-4009-9346-AD3B25943B14}" type="slidenum">
+            <a:fld id="{105040EF-7E81-4ED5-B907-8CF3716C75CA}" type="slidenum">
               <a:rPr lang="zh-CN" altLang="en-US" smtClean="0"/>
               <a:t>‹#›</a:t>
             </a:fld>
@@ -2014,7 +2014,7 @@
     </p:spTree>
     <p:extLst>
       <p:ext uri="{BB962C8B-B14F-4D97-AF65-F5344CB8AC3E}">
-        <p14:creationId xmlns:p14="http://schemas.microsoft.com/office/powerpoint/2010/main" val="2842889970"/>
+        <p14:creationId xmlns:p14="http://schemas.microsoft.com/office/powerpoint/2010/main" val="1333271344"/>
       </p:ext>
     </p:extLst>
   </p:cSld>
@@ -2046,7 +2046,7 @@
           <p:cNvPr id="2" name="日期占位符 1">
             <a:extLst>
               <a:ext uri="{FF2B5EF4-FFF2-40B4-BE49-F238E27FC236}">
-                <a16:creationId xmlns:a16="http://schemas.microsoft.com/office/drawing/2014/main" id="{A3846A03-7C96-DC9F-DEEE-1B049CF683EB}"/>
+                <a16:creationId xmlns:a16="http://schemas.microsoft.com/office/drawing/2014/main" id="{F2633155-80A4-C632-14A0-6E12D13493E4}"/>
               </a:ext>
             </a:extLst>
           </p:cNvPr>
@@ -2062,7 +2062,7 @@
           <a:bodyPr/>
           <a:lstStyle/>
           <a:p>
-            <a:fld id="{32A45105-9B27-45F0-BAA9-A426E72722CB}" type="datetimeFigureOut">
+            <a:fld id="{75179630-262F-4008-BAC9-18717E63E57E}" type="datetimeFigureOut">
               <a:rPr lang="zh-CN" altLang="en-US" smtClean="0"/>
               <a:t>2024/3/10</a:t>
             </a:fld>
@@ -2075,7 +2075,7 @@
           <p:cNvPr id="3" name="页脚占位符 2">
             <a:extLst>
               <a:ext uri="{FF2B5EF4-FFF2-40B4-BE49-F238E27FC236}">
-                <a16:creationId xmlns:a16="http://schemas.microsoft.com/office/drawing/2014/main" id="{EB83EEE3-D6B1-86E4-C7A7-5525E5304B63}"/>
+                <a16:creationId xmlns:a16="http://schemas.microsoft.com/office/drawing/2014/main" id="{D3545744-3FC7-6107-A50A-DC3502843AA2}"/>
               </a:ext>
             </a:extLst>
           </p:cNvPr>
@@ -2100,7 +2100,7 @@
           <p:cNvPr id="4" name="灯片编号占位符 3">
             <a:extLst>
               <a:ext uri="{FF2B5EF4-FFF2-40B4-BE49-F238E27FC236}">
-                <a16:creationId xmlns:a16="http://schemas.microsoft.com/office/drawing/2014/main" id="{58F0C3BF-B2BE-DA42-3CE7-F635382F2687}"/>
+                <a16:creationId xmlns:a16="http://schemas.microsoft.com/office/drawing/2014/main" id="{2B1921C6-F8A3-1BB7-3249-A163FCDB8650}"/>
               </a:ext>
             </a:extLst>
           </p:cNvPr>
@@ -2116,7 +2116,7 @@
           <a:bodyPr/>
           <a:lstStyle/>
           <a:p>
-            <a:fld id="{A2B695A5-DA47-4009-9346-AD3B25943B14}" type="slidenum">
+            <a:fld id="{105040EF-7E81-4ED5-B907-8CF3716C75CA}" type="slidenum">
               <a:rPr lang="zh-CN" altLang="en-US" smtClean="0"/>
               <a:t>‹#›</a:t>
             </a:fld>
@@ -2127,7 +2127,7 @@
     </p:spTree>
     <p:extLst>
       <p:ext uri="{BB962C8B-B14F-4D97-AF65-F5344CB8AC3E}">
-        <p14:creationId xmlns:p14="http://schemas.microsoft.com/office/powerpoint/2010/main" val="2834506811"/>
+        <p14:creationId xmlns:p14="http://schemas.microsoft.com/office/powerpoint/2010/main" val="4059165496"/>
       </p:ext>
     </p:extLst>
   </p:cSld>
@@ -2159,7 +2159,7 @@
           <p:cNvPr id="2" name="标题 1">
             <a:extLst>
               <a:ext uri="{FF2B5EF4-FFF2-40B4-BE49-F238E27FC236}">
-                <a16:creationId xmlns:a16="http://schemas.microsoft.com/office/drawing/2014/main" id="{200A8ACC-655A-3DA0-00F4-65B3989C098E}"/>
+                <a16:creationId xmlns:a16="http://schemas.microsoft.com/office/drawing/2014/main" id="{D2905B28-E6CC-F6BF-A0E4-5A53D3F39D7E}"/>
               </a:ext>
             </a:extLst>
           </p:cNvPr>
@@ -2196,7 +2196,7 @@
           <p:cNvPr id="3" name="内容占位符 2">
             <a:extLst>
               <a:ext uri="{FF2B5EF4-FFF2-40B4-BE49-F238E27FC236}">
-                <a16:creationId xmlns:a16="http://schemas.microsoft.com/office/drawing/2014/main" id="{E97156E3-FCE1-1DA7-E651-E23605AE751D}"/>
+                <a16:creationId xmlns:a16="http://schemas.microsoft.com/office/drawing/2014/main" id="{1DE8E7FE-6035-4EB2-A81E-995648D3EB90}"/>
               </a:ext>
             </a:extLst>
           </p:cNvPr>
@@ -2286,7 +2286,7 @@
           <p:cNvPr id="4" name="文本占位符 3">
             <a:extLst>
               <a:ext uri="{FF2B5EF4-FFF2-40B4-BE49-F238E27FC236}">
-                <a16:creationId xmlns:a16="http://schemas.microsoft.com/office/drawing/2014/main" id="{9D56EE4F-198A-71C4-E8C8-FE90EA66DDD3}"/>
+                <a16:creationId xmlns:a16="http://schemas.microsoft.com/office/drawing/2014/main" id="{39A865BD-FA68-C789-FE26-459FEF225C59}"/>
               </a:ext>
             </a:extLst>
           </p:cNvPr>
@@ -2357,7 +2357,7 @@
           <p:cNvPr id="5" name="日期占位符 4">
             <a:extLst>
               <a:ext uri="{FF2B5EF4-FFF2-40B4-BE49-F238E27FC236}">
-                <a16:creationId xmlns:a16="http://schemas.microsoft.com/office/drawing/2014/main" id="{66B6DBA6-ECE4-043B-1172-7A3619BCF5EE}"/>
+                <a16:creationId xmlns:a16="http://schemas.microsoft.com/office/drawing/2014/main" id="{009EA26C-328F-6765-DE6F-2A90DB9A11B0}"/>
               </a:ext>
             </a:extLst>
           </p:cNvPr>
@@ -2373,7 +2373,7 @@
           <a:bodyPr/>
           <a:lstStyle/>
           <a:p>
-            <a:fld id="{32A45105-9B27-45F0-BAA9-A426E72722CB}" type="datetimeFigureOut">
+            <a:fld id="{75179630-262F-4008-BAC9-18717E63E57E}" type="datetimeFigureOut">
               <a:rPr lang="zh-CN" altLang="en-US" smtClean="0"/>
               <a:t>2024/3/10</a:t>
             </a:fld>
@@ -2386,7 +2386,7 @@
           <p:cNvPr id="6" name="页脚占位符 5">
             <a:extLst>
               <a:ext uri="{FF2B5EF4-FFF2-40B4-BE49-F238E27FC236}">
-                <a16:creationId xmlns:a16="http://schemas.microsoft.com/office/drawing/2014/main" id="{B12B1CF7-F321-3777-E0D9-F33EC11BD1B9}"/>
+                <a16:creationId xmlns:a16="http://schemas.microsoft.com/office/drawing/2014/main" id="{A2971AE1-865B-DF5E-743B-48E9C5E56D6D}"/>
               </a:ext>
             </a:extLst>
           </p:cNvPr>
@@ -2411,7 +2411,7 @@
           <p:cNvPr id="7" name="灯片编号占位符 6">
             <a:extLst>
               <a:ext uri="{FF2B5EF4-FFF2-40B4-BE49-F238E27FC236}">
-                <a16:creationId xmlns:a16="http://schemas.microsoft.com/office/drawing/2014/main" id="{0F562FA0-5008-CD1C-B5C9-B93A7442013E}"/>
+                <a16:creationId xmlns:a16="http://schemas.microsoft.com/office/drawing/2014/main" id="{D36E631C-6DF5-FEF7-C6B0-19196AC8BA3F}"/>
               </a:ext>
             </a:extLst>
           </p:cNvPr>
@@ -2427,7 +2427,7 @@
           <a:bodyPr/>
           <a:lstStyle/>
           <a:p>
-            <a:fld id="{A2B695A5-DA47-4009-9346-AD3B25943B14}" type="slidenum">
+            <a:fld id="{105040EF-7E81-4ED5-B907-8CF3716C75CA}" type="slidenum">
               <a:rPr lang="zh-CN" altLang="en-US" smtClean="0"/>
               <a:t>‹#›</a:t>
             </a:fld>
@@ -2438,7 +2438,7 @@
     </p:spTree>
     <p:extLst>
       <p:ext uri="{BB962C8B-B14F-4D97-AF65-F5344CB8AC3E}">
-        <p14:creationId xmlns:p14="http://schemas.microsoft.com/office/powerpoint/2010/main" val="3820303393"/>
+        <p14:creationId xmlns:p14="http://schemas.microsoft.com/office/powerpoint/2010/main" val="314302409"/>
       </p:ext>
     </p:extLst>
   </p:cSld>
@@ -2470,7 +2470,7 @@
           <p:cNvPr id="2" name="标题 1">
             <a:extLst>
               <a:ext uri="{FF2B5EF4-FFF2-40B4-BE49-F238E27FC236}">
-                <a16:creationId xmlns:a16="http://schemas.microsoft.com/office/drawing/2014/main" id="{68F60805-3F63-9836-4CAA-90FC052D3136}"/>
+                <a16:creationId xmlns:a16="http://schemas.microsoft.com/office/drawing/2014/main" id="{E619C16A-56C8-399F-826A-FE46A82530C8}"/>
               </a:ext>
             </a:extLst>
           </p:cNvPr>
@@ -2507,7 +2507,7 @@
           <p:cNvPr id="3" name="图片占位符 2">
             <a:extLst>
               <a:ext uri="{FF2B5EF4-FFF2-40B4-BE49-F238E27FC236}">
-                <a16:creationId xmlns:a16="http://schemas.microsoft.com/office/drawing/2014/main" id="{AA724073-5964-162B-2495-EAEDD15AA3BA}"/>
+                <a16:creationId xmlns:a16="http://schemas.microsoft.com/office/drawing/2014/main" id="{D39D68B5-CAFC-8AEF-49BE-D45F37CCF275}"/>
               </a:ext>
             </a:extLst>
           </p:cNvPr>
@@ -2574,7 +2574,7 @@
           <p:cNvPr id="4" name="文本占位符 3">
             <a:extLst>
               <a:ext uri="{FF2B5EF4-FFF2-40B4-BE49-F238E27FC236}">
-                <a16:creationId xmlns:a16="http://schemas.microsoft.com/office/drawing/2014/main" id="{3DF9C0E8-2747-8A0A-1EC7-E5D97D6F21BB}"/>
+                <a16:creationId xmlns:a16="http://schemas.microsoft.com/office/drawing/2014/main" id="{BA4AFF68-9D99-7A37-DC7F-51678FFE0FFE}"/>
               </a:ext>
             </a:extLst>
           </p:cNvPr>
@@ -2645,7 +2645,7 @@
           <p:cNvPr id="5" name="日期占位符 4">
             <a:extLst>
               <a:ext uri="{FF2B5EF4-FFF2-40B4-BE49-F238E27FC236}">
-                <a16:creationId xmlns:a16="http://schemas.microsoft.com/office/drawing/2014/main" id="{8099E196-3389-0850-8446-DCC655F35D84}"/>
+                <a16:creationId xmlns:a16="http://schemas.microsoft.com/office/drawing/2014/main" id="{371AA756-CF66-891B-747F-29CED5AE87E8}"/>
               </a:ext>
             </a:extLst>
           </p:cNvPr>
@@ -2661,7 +2661,7 @@
           <a:bodyPr/>
           <a:lstStyle/>
           <a:p>
-            <a:fld id="{32A45105-9B27-45F0-BAA9-A426E72722CB}" type="datetimeFigureOut">
+            <a:fld id="{75179630-262F-4008-BAC9-18717E63E57E}" type="datetimeFigureOut">
               <a:rPr lang="zh-CN" altLang="en-US" smtClean="0"/>
               <a:t>2024/3/10</a:t>
             </a:fld>
@@ -2674,7 +2674,7 @@
           <p:cNvPr id="6" name="页脚占位符 5">
             <a:extLst>
               <a:ext uri="{FF2B5EF4-FFF2-40B4-BE49-F238E27FC236}">
-                <a16:creationId xmlns:a16="http://schemas.microsoft.com/office/drawing/2014/main" id="{95DC27C1-6FB4-0DA7-B1CD-1085CD62A6E2}"/>
+                <a16:creationId xmlns:a16="http://schemas.microsoft.com/office/drawing/2014/main" id="{920BCF73-7576-F825-AFEF-86DEB8375BB8}"/>
               </a:ext>
             </a:extLst>
           </p:cNvPr>
@@ -2699,7 +2699,7 @@
           <p:cNvPr id="7" name="灯片编号占位符 6">
             <a:extLst>
               <a:ext uri="{FF2B5EF4-FFF2-40B4-BE49-F238E27FC236}">
-                <a16:creationId xmlns:a16="http://schemas.microsoft.com/office/drawing/2014/main" id="{CD50CAFE-EDEE-D547-47A6-B4399498D226}"/>
+                <a16:creationId xmlns:a16="http://schemas.microsoft.com/office/drawing/2014/main" id="{BF2A9F8E-79E8-FF90-9BE5-B8C1F2116B46}"/>
               </a:ext>
             </a:extLst>
           </p:cNvPr>
@@ -2715,7 +2715,7 @@
           <a:bodyPr/>
           <a:lstStyle/>
           <a:p>
-            <a:fld id="{A2B695A5-DA47-4009-9346-AD3B25943B14}" type="slidenum">
+            <a:fld id="{105040EF-7E81-4ED5-B907-8CF3716C75CA}" type="slidenum">
               <a:rPr lang="zh-CN" altLang="en-US" smtClean="0"/>
               <a:t>‹#›</a:t>
             </a:fld>
@@ -2726,7 +2726,7 @@
     </p:spTree>
     <p:extLst>
       <p:ext uri="{BB962C8B-B14F-4D97-AF65-F5344CB8AC3E}">
-        <p14:creationId xmlns:p14="http://schemas.microsoft.com/office/powerpoint/2010/main" val="1780039428"/>
+        <p14:creationId xmlns:p14="http://schemas.microsoft.com/office/powerpoint/2010/main" val="3088171961"/>
       </p:ext>
     </p:extLst>
   </p:cSld>
@@ -2763,7 +2763,7 @@
           <p:cNvPr id="2" name="标题占位符 1">
             <a:extLst>
               <a:ext uri="{FF2B5EF4-FFF2-40B4-BE49-F238E27FC236}">
-                <a16:creationId xmlns:a16="http://schemas.microsoft.com/office/drawing/2014/main" id="{33348D7F-92E0-2035-A4D4-BA327DE805C3}"/>
+                <a16:creationId xmlns:a16="http://schemas.microsoft.com/office/drawing/2014/main" id="{DCD01FE9-292E-258F-8191-4393EB2371F8}"/>
               </a:ext>
             </a:extLst>
           </p:cNvPr>
@@ -2801,7 +2801,7 @@
           <p:cNvPr id="3" name="文本占位符 2">
             <a:extLst>
               <a:ext uri="{FF2B5EF4-FFF2-40B4-BE49-F238E27FC236}">
-                <a16:creationId xmlns:a16="http://schemas.microsoft.com/office/drawing/2014/main" id="{F1E6D7C9-2493-7982-68A0-BDC028958CD1}"/>
+                <a16:creationId xmlns:a16="http://schemas.microsoft.com/office/drawing/2014/main" id="{D24B8B48-7B76-E531-B6BE-50E367603A73}"/>
               </a:ext>
             </a:extLst>
           </p:cNvPr>
@@ -2868,7 +2868,7 @@
           <p:cNvPr id="4" name="日期占位符 3">
             <a:extLst>
               <a:ext uri="{FF2B5EF4-FFF2-40B4-BE49-F238E27FC236}">
-                <a16:creationId xmlns:a16="http://schemas.microsoft.com/office/drawing/2014/main" id="{AC974A1A-2E6F-9243-5017-ECE0884A6FC6}"/>
+                <a16:creationId xmlns:a16="http://schemas.microsoft.com/office/drawing/2014/main" id="{C3ACE9B2-9F9E-DF97-110A-8DC600F01F60}"/>
               </a:ext>
             </a:extLst>
           </p:cNvPr>
@@ -2902,7 +2902,7 @@
             </a:lvl1pPr>
           </a:lstStyle>
           <a:p>
-            <a:fld id="{32A45105-9B27-45F0-BAA9-A426E72722CB}" type="datetimeFigureOut">
+            <a:fld id="{75179630-262F-4008-BAC9-18717E63E57E}" type="datetimeFigureOut">
               <a:rPr lang="zh-CN" altLang="en-US" smtClean="0"/>
               <a:t>2024/3/10</a:t>
             </a:fld>
@@ -2915,7 +2915,7 @@
           <p:cNvPr id="5" name="页脚占位符 4">
             <a:extLst>
               <a:ext uri="{FF2B5EF4-FFF2-40B4-BE49-F238E27FC236}">
-                <a16:creationId xmlns:a16="http://schemas.microsoft.com/office/drawing/2014/main" id="{4EF19099-CE90-05E4-99FA-42A8AF59337E}"/>
+                <a16:creationId xmlns:a16="http://schemas.microsoft.com/office/drawing/2014/main" id="{D6EC2889-EC47-662F-7E54-EB7619120DE9}"/>
               </a:ext>
             </a:extLst>
           </p:cNvPr>
@@ -2958,7 +2958,7 @@
           <p:cNvPr id="6" name="灯片编号占位符 5">
             <a:extLst>
               <a:ext uri="{FF2B5EF4-FFF2-40B4-BE49-F238E27FC236}">
-                <a16:creationId xmlns:a16="http://schemas.microsoft.com/office/drawing/2014/main" id="{AA13A550-9F49-6E0B-92E1-D95D047A19D4}"/>
+                <a16:creationId xmlns:a16="http://schemas.microsoft.com/office/drawing/2014/main" id="{BB30A280-7688-8251-43AF-6EE0EC9FE3A3}"/>
               </a:ext>
             </a:extLst>
           </p:cNvPr>
@@ -2992,7 +2992,7 @@
             </a:lvl1pPr>
           </a:lstStyle>
           <a:p>
-            <a:fld id="{A2B695A5-DA47-4009-9346-AD3B25943B14}" type="slidenum">
+            <a:fld id="{105040EF-7E81-4ED5-B907-8CF3716C75CA}" type="slidenum">
               <a:rPr lang="zh-CN" altLang="en-US" smtClean="0"/>
               <a:t>‹#›</a:t>
             </a:fld>
@@ -3003,7 +3003,7 @@
     </p:spTree>
     <p:extLst>
       <p:ext uri="{BB962C8B-B14F-4D97-AF65-F5344CB8AC3E}">
-        <p14:creationId xmlns:p14="http://schemas.microsoft.com/office/powerpoint/2010/main" val="793067646"/>
+        <p14:creationId xmlns:p14="http://schemas.microsoft.com/office/powerpoint/2010/main" val="2980504447"/>
       </p:ext>
     </p:extLst>
   </p:cSld>
@@ -3323,7 +3323,7 @@
       </p:grpSpPr>
       <p:pic>
         <p:nvPicPr>
-          <p:cNvPr id="1020930" name="Picture 2" descr="996"/>
+          <p:cNvPr id="1021954" name="Picture 2" descr="997"/>
           <p:cNvPicPr>
             <a:picLocks noChangeAspect="1" noChangeArrowheads="1"/>
           </p:cNvPicPr>
@@ -3377,7 +3377,7 @@
       </p:pic>
       <p:pic>
         <p:nvPicPr>
-          <p:cNvPr id="1021955" name="Picture 3" descr="996-2"/>
+          <p:cNvPr id="1022979" name="Picture 3" descr="997-2"/>
           <p:cNvPicPr>
             <a:picLocks noChangeAspect="1" noChangeArrowheads="1"/>
           </p:cNvPicPr>
@@ -3385,6 +3385,70 @@
         </p:nvPicPr>
         <p:blipFill>
           <a:blip r:embed="rId3">
+            <a:extLst>
+              <a:ext uri="{28A0092B-C50C-407E-A947-70E740481C1C}">
+                <a14:useLocalDpi xmlns:a14="http://schemas.microsoft.com/office/drawing/2010/main" val="0"/>
+              </a:ext>
+            </a:extLst>
+          </a:blip>
+          <a:srcRect/>
+          <a:stretch>
+            <a:fillRect/>
+          </a:stretch>
+        </p:blipFill>
+        <p:spPr bwMode="auto">
+          <a:xfrm>
+            <a:off x="1524000" y="0"/>
+            <a:ext cx="9144000" cy="6858000"/>
+          </a:xfrm>
+          <a:prstGeom prst="rect">
+            <a:avLst/>
+          </a:prstGeom>
+          <a:noFill/>
+          <a:ln>
+            <a:noFill/>
+          </a:ln>
+          <a:effectLst/>
+          <a:extLst>
+            <a:ext uri="{909E8E84-426E-40DD-AFC4-6F175D3DCCD1}">
+              <a14:hiddenFill xmlns:a14="http://schemas.microsoft.com/office/drawing/2010/main">
+                <a:solidFill>
+                  <a:srgbClr val="FFFFFF"/>
+                </a:solidFill>
+              </a14:hiddenFill>
+            </a:ext>
+            <a:ext uri="{91240B29-F687-4F45-9708-019B960494DF}">
+              <a14:hiddenLine xmlns:a14="http://schemas.microsoft.com/office/drawing/2010/main" w="9525">
+                <a:solidFill>
+                  <a:srgbClr val="000000"/>
+                </a:solidFill>
+                <a:miter lim="800000"/>
+                <a:headEnd/>
+                <a:tailEnd/>
+              </a14:hiddenLine>
+            </a:ext>
+            <a:ext uri="{AF507438-7753-43E0-B8FC-AC1667EBCBE1}">
+              <a14:hiddenEffects xmlns:a14="http://schemas.microsoft.com/office/drawing/2010/main">
+                <a:effectLst>
+                  <a:outerShdw dist="35921" dir="2700000" algn="ctr" rotWithShape="0">
+                    <a:srgbClr val="808080"/>
+                  </a:outerShdw>
+                </a:effectLst>
+              </a14:hiddenEffects>
+            </a:ext>
+          </a:extLst>
+        </p:spPr>
+      </p:pic>
+      <p:pic>
+        <p:nvPicPr>
+          <p:cNvPr id="1022980" name="Picture 4" descr="997-3"/>
+          <p:cNvPicPr>
+            <a:picLocks noChangeAspect="1" noChangeArrowheads="1"/>
+          </p:cNvPicPr>
+          <p:nvPr/>
+        </p:nvPicPr>
+        <p:blipFill>
+          <a:blip r:embed="rId4">
             <a:extLst>
               <a:ext uri="{28A0092B-C50C-407E-A947-70E740481C1C}">
                 <a14:useLocalDpi xmlns:a14="http://schemas.microsoft.com/office/drawing/2010/main" val="0"/>
@@ -3478,7 +3542,7 @@
                                           </p:stCondLst>
                                         </p:cTn>
                                         <p:tgtEl>
-                                          <p:spTgt spid="1021955"/>
+                                          <p:spTgt spid="1022979"/>
                                         </p:tgtEl>
                                         <p:attrNameLst>
                                           <p:attrName>style.visibility</p:attrName>
@@ -3492,7 +3556,60 @@
                                       <p:cBhvr>
                                         <p:cTn id="7" dur="500"/>
                                         <p:tgtEl>
-                                          <p:spTgt spid="1021955"/>
+                                          <p:spTgt spid="1022979"/>
+                                        </p:tgtEl>
+                                      </p:cBhvr>
+                                    </p:animEffect>
+                                  </p:childTnLst>
+                                </p:cTn>
+                              </p:par>
+                            </p:childTnLst>
+                          </p:cTn>
+                        </p:par>
+                      </p:childTnLst>
+                    </p:cTn>
+                  </p:par>
+                  <p:par>
+                    <p:cTn id="8" fill="hold" nodeType="clickPar">
+                      <p:stCondLst>
+                        <p:cond delay="indefinite"/>
+                      </p:stCondLst>
+                      <p:childTnLst>
+                        <p:par>
+                          <p:cTn id="9" fill="hold" nodeType="withGroup">
+                            <p:stCondLst>
+                              <p:cond delay="0"/>
+                            </p:stCondLst>
+                            <p:childTnLst>
+                              <p:par>
+                                <p:cTn id="10" presetID="10" presetClass="entr" presetSubtype="0" fill="hold" nodeType="clickEffect">
+                                  <p:stCondLst>
+                                    <p:cond delay="0"/>
+                                  </p:stCondLst>
+                                  <p:childTnLst>
+                                    <p:set>
+                                      <p:cBhvr>
+                                        <p:cTn id="11" dur="1" fill="hold">
+                                          <p:stCondLst>
+                                            <p:cond delay="0"/>
+                                          </p:stCondLst>
+                                        </p:cTn>
+                                        <p:tgtEl>
+                                          <p:spTgt spid="1022980"/>
+                                        </p:tgtEl>
+                                        <p:attrNameLst>
+                                          <p:attrName>style.visibility</p:attrName>
+                                        </p:attrNameLst>
+                                      </p:cBhvr>
+                                      <p:to>
+                                        <p:strVal val="visible"/>
+                                      </p:to>
+                                    </p:set>
+                                    <p:animEffect transition="in" filter="fade">
+                                      <p:cBhvr>
+                                        <p:cTn id="12" dur="500"/>
+                                        <p:tgtEl>
+                                          <p:spTgt spid="1022980"/>
                                         </p:tgtEl>
                                       </p:cBhvr>
                                     </p:animEffect>
